--- a/CD Patterns.pptx
+++ b/CD Patterns.pptx
@@ -5,7 +5,7 @@
     <p:sldMasterId id="2147483648" r:id="rId1"/>
   </p:sldMasterIdLst>
   <p:notesMasterIdLst>
-    <p:notesMasterId r:id="rId20"/>
+    <p:notesMasterId r:id="rId22"/>
   </p:notesMasterIdLst>
   <p:sldIdLst>
     <p:sldId id="257" r:id="rId2"/>
@@ -18,14 +18,16 @@
     <p:sldId id="264" r:id="rId9"/>
     <p:sldId id="265" r:id="rId10"/>
     <p:sldId id="290" r:id="rId11"/>
-    <p:sldId id="291" r:id="rId12"/>
-    <p:sldId id="280" r:id="rId13"/>
-    <p:sldId id="281" r:id="rId14"/>
-    <p:sldId id="282" r:id="rId15"/>
-    <p:sldId id="283" r:id="rId16"/>
-    <p:sldId id="284" r:id="rId17"/>
-    <p:sldId id="285" r:id="rId18"/>
-    <p:sldId id="286" r:id="rId19"/>
+    <p:sldId id="292" r:id="rId12"/>
+    <p:sldId id="291" r:id="rId13"/>
+    <p:sldId id="280" r:id="rId14"/>
+    <p:sldId id="281" r:id="rId15"/>
+    <p:sldId id="282" r:id="rId16"/>
+    <p:sldId id="283" r:id="rId17"/>
+    <p:sldId id="284" r:id="rId18"/>
+    <p:sldId id="285" r:id="rId19"/>
+    <p:sldId id="286" r:id="rId20"/>
+    <p:sldId id="293" r:id="rId21"/>
   </p:sldIdLst>
   <p:sldSz cx="12192000" cy="6858000"/>
   <p:notesSz cx="6858000" cy="9144000"/>
@@ -214,7 +216,7 @@
           <a:p>
             <a:fld id="{8594ECB2-170D-5B4E-999C-9746C74D5389}" type="datetimeFigureOut">
               <a:rPr lang="en-US" smtClean="0"/>
-              <a:t>7/13/18</a:t>
+              <a:t>7/16/18</a:t>
             </a:fld>
             <a:endParaRPr lang="en-US"/>
           </a:p>
@@ -790,7 +792,7 @@
     </p:spTree>
     <p:extLst>
       <p:ext uri="{BB962C8B-B14F-4D97-AF65-F5344CB8AC3E}">
-        <p14:creationId xmlns:p14="http://schemas.microsoft.com/office/powerpoint/2010/main" val="1300183490"/>
+        <p14:creationId xmlns:p14="http://schemas.microsoft.com/office/powerpoint/2010/main" val="502163086"/>
       </p:ext>
     </p:extLst>
   </p:cSld>
@@ -846,7 +848,7 @@
                 </a:solidFill>
                 <a:latin typeface="Arial" panose="020B0604020202020204" pitchFamily="34" charset="0"/>
               </a:rPr>
-              <a:t>&lt;*s*o*u*r*c*e*&gt;*9*4*4*a*2*-*8*-*1*6*&lt;*/*s*o*u*r*c*e*&gt;</a:t>
+              <a:t>&lt;*s*o*u*r*c*e*&gt;*9*4*4*a*2*-*8*-*4*&lt;*/*s*o*u*r*c*e*&gt;</a:t>
             </a:r>
             <a:endParaRPr lang="en-US" sz="800" dirty="0">
               <a:solidFill>
@@ -884,26 +886,11 @@
             <p:ph type="body" idx="1"/>
           </p:nvPr>
         </p:nvSpPr>
-        <p:spPr>
-          <a:xfrm>
-            <a:off x="228600" y="3957638"/>
-            <a:ext cx="6488113" cy="276694"/>
-          </a:xfrm>
-        </p:spPr>
+        <p:spPr/>
         <p:txBody>
-          <a:bodyPr>
-            <a:spAutoFit/>
-          </a:bodyPr>
+          <a:bodyPr/>
           <a:lstStyle/>
           <a:p>
-            <a:r>
-              <a:rPr lang="en-US" dirty="0" smtClean="0"/>
-              <a:t>Instructors Notes: Mention for</a:t>
-            </a:r>
-            <a:r>
-              <a:rPr lang="en-US" baseline="0" dirty="0" smtClean="0"/>
-              <a:t> Java use Jenkins</a:t>
-            </a:r>
             <a:endParaRPr lang="en-US" dirty="0"/>
           </a:p>
         </p:txBody>
@@ -911,7 +898,7 @@
     </p:spTree>
     <p:extLst>
       <p:ext uri="{BB962C8B-B14F-4D97-AF65-F5344CB8AC3E}">
-        <p14:creationId xmlns:p14="http://schemas.microsoft.com/office/powerpoint/2010/main" val="2066985354"/>
+        <p14:creationId xmlns:p14="http://schemas.microsoft.com/office/powerpoint/2010/main" val="1300183490"/>
       </p:ext>
     </p:extLst>
   </p:cSld>
@@ -967,7 +954,7 @@
                 </a:solidFill>
                 <a:latin typeface="Arial" panose="020B0604020202020204" pitchFamily="34" charset="0"/>
               </a:rPr>
-              <a:t>&lt;*s*o*u*r*c*e*&gt;*9*4*4*a*2*-*8*-*1*9*&lt;*/*s*o*u*r*c*e*&gt;</a:t>
+              <a:t>&lt;*s*o*u*r*c*e*&gt;*9*4*4*a*2*-*8*-*1*6*&lt;*/*s*o*u*r*c*e*&gt;</a:t>
             </a:r>
             <a:endParaRPr lang="en-US" sz="800" dirty="0">
               <a:solidFill>
@@ -1032,7 +1019,7 @@
     </p:spTree>
     <p:extLst>
       <p:ext uri="{BB962C8B-B14F-4D97-AF65-F5344CB8AC3E}">
-        <p14:creationId xmlns:p14="http://schemas.microsoft.com/office/powerpoint/2010/main" val="1265897539"/>
+        <p14:creationId xmlns:p14="http://schemas.microsoft.com/office/powerpoint/2010/main" val="2066985354"/>
       </p:ext>
     </p:extLst>
   </p:cSld>
@@ -1153,7 +1140,7 @@
     </p:spTree>
     <p:extLst>
       <p:ext uri="{BB962C8B-B14F-4D97-AF65-F5344CB8AC3E}">
-        <p14:creationId xmlns:p14="http://schemas.microsoft.com/office/powerpoint/2010/main" val="635520997"/>
+        <p14:creationId xmlns:p14="http://schemas.microsoft.com/office/powerpoint/2010/main" val="1265897539"/>
       </p:ext>
     </p:extLst>
   </p:cSld>
@@ -1274,7 +1261,7 @@
     </p:spTree>
     <p:extLst>
       <p:ext uri="{BB962C8B-B14F-4D97-AF65-F5344CB8AC3E}">
-        <p14:creationId xmlns:p14="http://schemas.microsoft.com/office/powerpoint/2010/main" val="566763431"/>
+        <p14:creationId xmlns:p14="http://schemas.microsoft.com/office/powerpoint/2010/main" val="635520997"/>
       </p:ext>
     </p:extLst>
   </p:cSld>
@@ -1395,7 +1382,7 @@
     </p:spTree>
     <p:extLst>
       <p:ext uri="{BB962C8B-B14F-4D97-AF65-F5344CB8AC3E}">
-        <p14:creationId xmlns:p14="http://schemas.microsoft.com/office/powerpoint/2010/main" val="245182543"/>
+        <p14:creationId xmlns:p14="http://schemas.microsoft.com/office/powerpoint/2010/main" val="566763431"/>
       </p:ext>
     </p:extLst>
   </p:cSld>
@@ -1516,6 +1503,127 @@
     </p:spTree>
     <p:extLst>
       <p:ext uri="{BB962C8B-B14F-4D97-AF65-F5344CB8AC3E}">
+        <p14:creationId xmlns:p14="http://schemas.microsoft.com/office/powerpoint/2010/main" val="245182543"/>
+      </p:ext>
+    </p:extLst>
+  </p:cSld>
+  <p:clrMapOvr>
+    <a:masterClrMapping/>
+  </p:clrMapOvr>
+</p:notes>
+</file>
+
+<file path=ppt/notesSlides/notesSlide18.xml><?xml version="1.0" encoding="utf-8"?>
+<p:notes xmlns:a="http://schemas.openxmlformats.org/drawingml/2006/main" xmlns:r="http://schemas.openxmlformats.org/officeDocument/2006/relationships" xmlns:p="http://schemas.openxmlformats.org/presentationml/2006/main">
+  <p:cSld>
+    <p:spTree>
+      <p:nvGrpSpPr>
+        <p:cNvPr id="1" name=""/>
+        <p:cNvGrpSpPr/>
+        <p:nvPr/>
+      </p:nvGrpSpPr>
+      <p:grpSpPr>
+        <a:xfrm>
+          <a:off x="0" y="0"/>
+          <a:ext cx="0" cy="0"/>
+          <a:chOff x="0" y="0"/>
+          <a:chExt cx="0" cy="0"/>
+        </a:xfrm>
+      </p:grpSpPr>
+      <p:sp>
+        <p:nvSpPr>
+          <p:cNvPr id="3" name="TextBox 2" hidden="1"/>
+          <p:cNvSpPr txBox="1"/>
+          <p:nvPr/>
+        </p:nvSpPr>
+        <p:spPr>
+          <a:xfrm>
+            <a:off x="2286000" y="381000"/>
+            <a:ext cx="3810000" cy="215444"/>
+          </a:xfrm>
+          <a:prstGeom prst="rect">
+            <a:avLst/>
+          </a:prstGeom>
+          <a:noFill/>
+        </p:spPr>
+        <p:txBody>
+          <a:bodyPr vert="horz" rtlCol="0">
+            <a:spAutoFit/>
+          </a:bodyPr>
+          <a:lstStyle/>
+          <a:p>
+            <a:r>
+              <a:rPr lang="pt-BR" sz="800" dirty="0" smtClean="0">
+                <a:solidFill>
+                  <a:srgbClr val="000000"/>
+                </a:solidFill>
+                <a:latin typeface="Arial" panose="020B0604020202020204" pitchFamily="34" charset="0"/>
+              </a:rPr>
+              <a:t>&lt;*s*o*u*r*c*e*&gt;*9*4*4*a*2*-*8*-*1*9*&lt;*/*s*o*u*r*c*e*&gt;</a:t>
+            </a:r>
+            <a:endParaRPr lang="en-US" sz="800" dirty="0">
+              <a:solidFill>
+                <a:srgbClr val="000000"/>
+              </a:solidFill>
+              <a:latin typeface="Arial" panose="020B0604020202020204" pitchFamily="34" charset="0"/>
+            </a:endParaRPr>
+          </a:p>
+        </p:txBody>
+      </p:sp>
+      <p:sp>
+        <p:nvSpPr>
+          <p:cNvPr id="4" name="Slide Image Placeholder 3"/>
+          <p:cNvSpPr>
+            <a:spLocks noGrp="1" noRot="1" noChangeAspect="1"/>
+          </p:cNvSpPr>
+          <p:nvPr>
+            <p:ph type="sldImg"/>
+          </p:nvPr>
+        </p:nvSpPr>
+        <p:spPr>
+          <a:xfrm>
+            <a:off x="1090613" y="215900"/>
+            <a:ext cx="6443662" cy="3625850"/>
+          </a:xfrm>
+        </p:spPr>
+      </p:sp>
+      <p:sp>
+        <p:nvSpPr>
+          <p:cNvPr id="5" name="Notes Placeholder 4"/>
+          <p:cNvSpPr>
+            <a:spLocks noGrp="1"/>
+          </p:cNvSpPr>
+          <p:nvPr>
+            <p:ph type="body" idx="1"/>
+          </p:nvPr>
+        </p:nvSpPr>
+        <p:spPr>
+          <a:xfrm>
+            <a:off x="228600" y="3957638"/>
+            <a:ext cx="6488113" cy="276694"/>
+          </a:xfrm>
+        </p:spPr>
+        <p:txBody>
+          <a:bodyPr>
+            <a:spAutoFit/>
+          </a:bodyPr>
+          <a:lstStyle/>
+          <a:p>
+            <a:r>
+              <a:rPr lang="en-US" dirty="0" smtClean="0"/>
+              <a:t>Instructors Notes: Mention for</a:t>
+            </a:r>
+            <a:r>
+              <a:rPr lang="en-US" baseline="0" dirty="0" smtClean="0"/>
+              <a:t> Java use Jenkins</a:t>
+            </a:r>
+            <a:endParaRPr lang="en-US" dirty="0"/>
+          </a:p>
+        </p:txBody>
+      </p:sp>
+    </p:spTree>
+    <p:extLst>
+      <p:ext uri="{BB962C8B-B14F-4D97-AF65-F5344CB8AC3E}">
         <p14:creationId xmlns:p14="http://schemas.microsoft.com/office/powerpoint/2010/main" val="853703664"/>
       </p:ext>
     </p:extLst>
@@ -1526,7 +1634,7 @@
 </p:notes>
 </file>
 
-<file path=ppt/notesSlides/notesSlide18.xml><?xml version="1.0" encoding="utf-8"?>
+<file path=ppt/notesSlides/notesSlide19.xml><?xml version="1.0" encoding="utf-8"?>
 <p:notes xmlns:a="http://schemas.openxmlformats.org/drawingml/2006/main" xmlns:r="http://schemas.openxmlformats.org/officeDocument/2006/relationships" xmlns:p="http://schemas.openxmlformats.org/presentationml/2006/main">
   <p:cSld>
     <p:spTree>
@@ -1744,6 +1852,112 @@
     <p:extLst>
       <p:ext uri="{BB962C8B-B14F-4D97-AF65-F5344CB8AC3E}">
         <p14:creationId xmlns:p14="http://schemas.microsoft.com/office/powerpoint/2010/main" val="905269446"/>
+      </p:ext>
+    </p:extLst>
+  </p:cSld>
+  <p:clrMapOvr>
+    <a:masterClrMapping/>
+  </p:clrMapOvr>
+</p:notes>
+</file>
+
+<file path=ppt/notesSlides/notesSlide20.xml><?xml version="1.0" encoding="utf-8"?>
+<p:notes xmlns:a="http://schemas.openxmlformats.org/drawingml/2006/main" xmlns:r="http://schemas.openxmlformats.org/officeDocument/2006/relationships" xmlns:p="http://schemas.openxmlformats.org/presentationml/2006/main">
+  <p:cSld>
+    <p:spTree>
+      <p:nvGrpSpPr>
+        <p:cNvPr id="1" name=""/>
+        <p:cNvGrpSpPr/>
+        <p:nvPr/>
+      </p:nvGrpSpPr>
+      <p:grpSpPr>
+        <a:xfrm>
+          <a:off x="0" y="0"/>
+          <a:ext cx="0" cy="0"/>
+          <a:chOff x="0" y="0"/>
+          <a:chExt cx="0" cy="0"/>
+        </a:xfrm>
+      </p:grpSpPr>
+      <p:sp>
+        <p:nvSpPr>
+          <p:cNvPr id="3" name="TextBox 2" hidden="1"/>
+          <p:cNvSpPr txBox="1"/>
+          <p:nvPr/>
+        </p:nvSpPr>
+        <p:spPr>
+          <a:xfrm>
+            <a:off x="2286000" y="381000"/>
+            <a:ext cx="3810000" cy="215444"/>
+          </a:xfrm>
+          <a:prstGeom prst="rect">
+            <a:avLst/>
+          </a:prstGeom>
+          <a:noFill/>
+        </p:spPr>
+        <p:txBody>
+          <a:bodyPr vert="horz" rtlCol="0">
+            <a:spAutoFit/>
+          </a:bodyPr>
+          <a:lstStyle/>
+          <a:p>
+            <a:r>
+              <a:rPr lang="pt-BR" sz="800" dirty="0" smtClean="0">
+                <a:solidFill>
+                  <a:srgbClr val="000000"/>
+                </a:solidFill>
+                <a:latin typeface="Arial" panose="020B0604020202020204" pitchFamily="34" charset="0"/>
+              </a:rPr>
+              <a:t>&lt;*s*o*u*r*c*e*&gt;*9*4*4*a*2*-*8*-*4*&lt;*/*s*o*u*r*c*e*&gt;</a:t>
+            </a:r>
+            <a:endParaRPr lang="en-US" sz="800" dirty="0">
+              <a:solidFill>
+                <a:srgbClr val="000000"/>
+              </a:solidFill>
+              <a:latin typeface="Arial" panose="020B0604020202020204" pitchFamily="34" charset="0"/>
+            </a:endParaRPr>
+          </a:p>
+        </p:txBody>
+      </p:sp>
+      <p:sp>
+        <p:nvSpPr>
+          <p:cNvPr id="4" name="Slide Image Placeholder 3"/>
+          <p:cNvSpPr>
+            <a:spLocks noGrp="1" noRot="1" noChangeAspect="1"/>
+          </p:cNvSpPr>
+          <p:nvPr>
+            <p:ph type="sldImg"/>
+          </p:nvPr>
+        </p:nvSpPr>
+        <p:spPr>
+          <a:xfrm>
+            <a:off x="1090613" y="215900"/>
+            <a:ext cx="6443662" cy="3625850"/>
+          </a:xfrm>
+        </p:spPr>
+      </p:sp>
+      <p:sp>
+        <p:nvSpPr>
+          <p:cNvPr id="5" name="Notes Placeholder 4"/>
+          <p:cNvSpPr>
+            <a:spLocks noGrp="1"/>
+          </p:cNvSpPr>
+          <p:nvPr>
+            <p:ph type="body" idx="1"/>
+          </p:nvPr>
+        </p:nvSpPr>
+        <p:spPr/>
+        <p:txBody>
+          <a:bodyPr/>
+          <a:lstStyle/>
+          <a:p>
+            <a:endParaRPr lang="en-US" dirty="0"/>
+          </a:p>
+        </p:txBody>
+      </p:sp>
+    </p:spTree>
+    <p:extLst>
+      <p:ext uri="{BB962C8B-B14F-4D97-AF65-F5344CB8AC3E}">
+        <p14:creationId xmlns:p14="http://schemas.microsoft.com/office/powerpoint/2010/main" val="1330731924"/>
       </p:ext>
     </p:extLst>
   </p:cSld>
@@ -2671,7 +2885,7 @@
           <a:p>
             <a:fld id="{AFD637D6-4ECA-5947-B296-F309859C97C4}" type="datetimeFigureOut">
               <a:rPr lang="en-US" smtClean="0"/>
-              <a:t>7/13/18</a:t>
+              <a:t>7/16/18</a:t>
             </a:fld>
             <a:endParaRPr lang="en-US"/>
           </a:p>
@@ -2841,7 +3055,7 @@
           <a:p>
             <a:fld id="{AFD637D6-4ECA-5947-B296-F309859C97C4}" type="datetimeFigureOut">
               <a:rPr lang="en-US" smtClean="0"/>
-              <a:t>7/13/18</a:t>
+              <a:t>7/16/18</a:t>
             </a:fld>
             <a:endParaRPr lang="en-US"/>
           </a:p>
@@ -3021,7 +3235,7 @@
           <a:p>
             <a:fld id="{AFD637D6-4ECA-5947-B296-F309859C97C4}" type="datetimeFigureOut">
               <a:rPr lang="en-US" smtClean="0"/>
-              <a:t>7/13/18</a:t>
+              <a:t>7/16/18</a:t>
             </a:fld>
             <a:endParaRPr lang="en-US"/>
           </a:p>
@@ -3191,7 +3405,7 @@
           <a:p>
             <a:fld id="{AFD637D6-4ECA-5947-B296-F309859C97C4}" type="datetimeFigureOut">
               <a:rPr lang="en-US" smtClean="0"/>
-              <a:t>7/13/18</a:t>
+              <a:t>7/16/18</a:t>
             </a:fld>
             <a:endParaRPr lang="en-US"/>
           </a:p>
@@ -3437,7 +3651,7 @@
           <a:p>
             <a:fld id="{AFD637D6-4ECA-5947-B296-F309859C97C4}" type="datetimeFigureOut">
               <a:rPr lang="en-US" smtClean="0"/>
-              <a:t>7/13/18</a:t>
+              <a:t>7/16/18</a:t>
             </a:fld>
             <a:endParaRPr lang="en-US"/>
           </a:p>
@@ -3669,7 +3883,7 @@
           <a:p>
             <a:fld id="{AFD637D6-4ECA-5947-B296-F309859C97C4}" type="datetimeFigureOut">
               <a:rPr lang="en-US" smtClean="0"/>
-              <a:t>7/13/18</a:t>
+              <a:t>7/16/18</a:t>
             </a:fld>
             <a:endParaRPr lang="en-US"/>
           </a:p>
@@ -4036,7 +4250,7 @@
           <a:p>
             <a:fld id="{AFD637D6-4ECA-5947-B296-F309859C97C4}" type="datetimeFigureOut">
               <a:rPr lang="en-US" smtClean="0"/>
-              <a:t>7/13/18</a:t>
+              <a:t>7/16/18</a:t>
             </a:fld>
             <a:endParaRPr lang="en-US"/>
           </a:p>
@@ -4154,7 +4368,7 @@
           <a:p>
             <a:fld id="{AFD637D6-4ECA-5947-B296-F309859C97C4}" type="datetimeFigureOut">
               <a:rPr lang="en-US" smtClean="0"/>
-              <a:t>7/13/18</a:t>
+              <a:t>7/16/18</a:t>
             </a:fld>
             <a:endParaRPr lang="en-US"/>
           </a:p>
@@ -4249,7 +4463,7 @@
           <a:p>
             <a:fld id="{AFD637D6-4ECA-5947-B296-F309859C97C4}" type="datetimeFigureOut">
               <a:rPr lang="en-US" smtClean="0"/>
-              <a:t>7/13/18</a:t>
+              <a:t>7/16/18</a:t>
             </a:fld>
             <a:endParaRPr lang="en-US"/>
           </a:p>
@@ -4526,7 +4740,7 @@
           <a:p>
             <a:fld id="{AFD637D6-4ECA-5947-B296-F309859C97C4}" type="datetimeFigureOut">
               <a:rPr lang="en-US" smtClean="0"/>
-              <a:t>7/13/18</a:t>
+              <a:t>7/16/18</a:t>
             </a:fld>
             <a:endParaRPr lang="en-US"/>
           </a:p>
@@ -4779,7 +4993,7 @@
           <a:p>
             <a:fld id="{AFD637D6-4ECA-5947-B296-F309859C97C4}" type="datetimeFigureOut">
               <a:rPr lang="en-US" smtClean="0"/>
-              <a:t>7/13/18</a:t>
+              <a:t>7/16/18</a:t>
             </a:fld>
             <a:endParaRPr lang="en-US"/>
           </a:p>
@@ -4992,7 +5206,7 @@
           <a:p>
             <a:fld id="{AFD637D6-4ECA-5947-B296-F309859C97C4}" type="datetimeFigureOut">
               <a:rPr lang="en-US" smtClean="0"/>
-              <a:t>7/13/18</a:t>
+              <a:t>7/16/18</a:t>
             </a:fld>
             <a:endParaRPr lang="en-US"/>
           </a:p>
@@ -5501,35 +5715,14 @@
           </a:bodyPr>
           <a:lstStyle/>
           <a:p>
-            <a:r>
-              <a:rPr lang="en-US" dirty="0" smtClean="0"/>
-              <a:t>Non-blocking Flow</a:t>
-            </a:r>
-          </a:p>
-          <a:p>
-            <a:r>
-              <a:rPr lang="en-US" dirty="0" smtClean="0"/>
-              <a:t>Push-button deployment</a:t>
-            </a:r>
-          </a:p>
-          <a:p>
-            <a:r>
-              <a:rPr lang="en-US" dirty="0" smtClean="0"/>
-              <a:t>Repeatable trusted automated process</a:t>
-            </a:r>
-          </a:p>
-          <a:p>
-            <a:r>
-              <a:rPr lang="en-US" dirty="0" smtClean="0"/>
-              <a:t>A definition of quality baked into the process</a:t>
-            </a:r>
-          </a:p>
-          <a:p>
-            <a:r>
-              <a:rPr lang="en-US" smtClean="0"/>
-              <a:t>Everybody’s business</a:t>
-            </a:r>
-            <a:endParaRPr lang="en-US" dirty="0" smtClean="0"/>
+            <a:pPr marL="0" indent="0" algn="ctr">
+              <a:buNone/>
+            </a:pPr>
+            <a:r>
+              <a:rPr lang="en-US" sz="4000" b="1" dirty="0" smtClean="0"/>
+              <a:t>In your table groups discuss which strategy would be best for your group and why. Be prepared to share with the class</a:t>
+            </a:r>
+            <a:endParaRPr lang="en-US" sz="4000" b="1" dirty="0" smtClean="0"/>
           </a:p>
         </p:txBody>
       </p:sp>
@@ -5542,7 +5735,7 @@
         <p:spPr>
           <a:xfrm>
             <a:off x="2323475" y="719528"/>
-            <a:ext cx="4378956" cy="707886"/>
+            <a:ext cx="6169831" cy="707886"/>
           </a:xfrm>
           <a:prstGeom prst="rect">
             <a:avLst/>
@@ -5557,7 +5750,11 @@
           <a:p>
             <a:r>
               <a:rPr lang="en-US" sz="4000" dirty="0" smtClean="0"/>
-              <a:t>Continuous Delivery</a:t>
+              <a:t>Continuous </a:t>
+            </a:r>
+            <a:r>
+              <a:rPr lang="en-US" sz="4000" dirty="0" smtClean="0"/>
+              <a:t>Delivery Exercise</a:t>
             </a:r>
             <a:endParaRPr lang="en-US" sz="4000" dirty="0"/>
           </a:p>
@@ -5618,47 +5815,37 @@
         </p:spPr>
         <p:txBody>
           <a:bodyPr>
-            <a:normAutofit lnSpcReduction="10000"/>
+            <a:normAutofit/>
           </a:bodyPr>
           <a:lstStyle/>
           <a:p>
             <a:r>
               <a:rPr lang="en-US" dirty="0" smtClean="0"/>
-              <a:t>Build binaries only one / package only once</a:t>
+              <a:t>Non-blocking Flow</a:t>
             </a:r>
           </a:p>
           <a:p>
             <a:r>
               <a:rPr lang="en-US" dirty="0" smtClean="0"/>
-              <a:t>Deploy with one method</a:t>
+              <a:t>Push-button deployment</a:t>
             </a:r>
           </a:p>
           <a:p>
             <a:r>
               <a:rPr lang="en-US" dirty="0" smtClean="0"/>
-              <a:t>Smoke test code on deployment</a:t>
+              <a:t>Repeatable trusted automated process</a:t>
             </a:r>
           </a:p>
           <a:p>
             <a:r>
               <a:rPr lang="en-US" dirty="0" smtClean="0"/>
-              <a:t>Deploy into copy of production first</a:t>
-            </a:r>
-          </a:p>
-          <a:p>
-            <a:r>
-              <a:rPr lang="en-US" dirty="0" smtClean="0"/>
-              <a:t>Employ release triggers</a:t>
-            </a:r>
-          </a:p>
-          <a:p>
-            <a:r>
-              <a:rPr lang="en-US" dirty="0" smtClean="0"/>
-              <a:t>Halt on </a:t>
-            </a:r>
+              <a:t>A definition of quality baked into the process</a:t>
+            </a:r>
+          </a:p>
+          <a:p>
             <a:r>
               <a:rPr lang="en-US" smtClean="0"/>
-              <a:t>red deployment</a:t>
+              <a:t>Everybody’s business</a:t>
             </a:r>
             <a:endParaRPr lang="en-US" dirty="0" smtClean="0"/>
           </a:p>
@@ -5673,7 +5860,7 @@
         <p:spPr>
           <a:xfrm>
             <a:off x="2323475" y="719528"/>
-            <a:ext cx="4378956" cy="707886"/>
+            <a:ext cx="5236755" cy="707886"/>
           </a:xfrm>
           <a:prstGeom prst="rect">
             <a:avLst/>
@@ -5688,7 +5875,11 @@
           <a:p>
             <a:r>
               <a:rPr lang="en-US" sz="4000" dirty="0" smtClean="0"/>
-              <a:t>Continuous Delivery</a:t>
+              <a:t>Continuous </a:t>
+            </a:r>
+            <a:r>
+              <a:rPr lang="en-US" sz="4000" dirty="0" smtClean="0"/>
+              <a:t>Deployment</a:t>
             </a:r>
             <a:endParaRPr lang="en-US" sz="4000" dirty="0"/>
           </a:p>
@@ -5697,7 +5888,7 @@
     </p:spTree>
     <p:extLst>
       <p:ext uri="{BB962C8B-B14F-4D97-AF65-F5344CB8AC3E}">
-        <p14:creationId xmlns:p14="http://schemas.microsoft.com/office/powerpoint/2010/main" val="710623951"/>
+        <p14:creationId xmlns:p14="http://schemas.microsoft.com/office/powerpoint/2010/main" val="1014548838"/>
       </p:ext>
     </p:extLst>
   </p:cSld>
@@ -5733,29 +5924,6 @@
       </p:grpSpPr>
       <p:sp>
         <p:nvSpPr>
-          <p:cNvPr id="3" name="Title 2"/>
-          <p:cNvSpPr>
-            <a:spLocks noGrp="1"/>
-          </p:cNvSpPr>
-          <p:nvPr>
-            <p:ph type="title"/>
-          </p:nvPr>
-        </p:nvSpPr>
-        <p:spPr/>
-        <p:txBody>
-          <a:bodyPr/>
-          <a:lstStyle/>
-          <a:p>
-            <a:r>
-              <a:rPr lang="en-US" dirty="0" smtClean="0"/>
-              <a:t>Design for Continuous Deployment and Delivery</a:t>
-            </a:r>
-            <a:endParaRPr lang="en-US" dirty="0"/>
-          </a:p>
-        </p:txBody>
-      </p:sp>
-      <p:sp>
-        <p:nvSpPr>
           <p:cNvPr id="2" name="Content Placeholder 1"/>
           <p:cNvSpPr>
             <a:spLocks noGrp="1"/>
@@ -5766,115 +5934,96 @@
         </p:nvSpPr>
         <p:spPr>
           <a:xfrm>
-            <a:off x="1023911" y="1828384"/>
-            <a:ext cx="8599488" cy="4257576"/>
+            <a:off x="119921" y="2098208"/>
+            <a:ext cx="10267976" cy="2954655"/>
           </a:xfrm>
         </p:spPr>
         <p:txBody>
           <a:bodyPr>
-            <a:normAutofit fontScale="85000" lnSpcReduction="20000"/>
+            <a:normAutofit lnSpcReduction="10000"/>
           </a:bodyPr>
           <a:lstStyle/>
           <a:p>
             <a:r>
               <a:rPr lang="en-US" dirty="0" smtClean="0"/>
-              <a:t>Key is to avoid large monolithic codebases</a:t>
-            </a:r>
-          </a:p>
-          <a:p>
-            <a:pPr lvl="1"/>
+              <a:t>Build binaries only one / package only once</a:t>
+            </a:r>
+          </a:p>
+          <a:p>
             <a:r>
               <a:rPr lang="en-US" dirty="0" smtClean="0"/>
-              <a:t>Parallelism only buys you so much</a:t>
-            </a:r>
-          </a:p>
-          <a:p>
-            <a:pPr lvl="1"/>
+              <a:t>Deploy with one method</a:t>
+            </a:r>
+          </a:p>
+          <a:p>
             <a:r>
               <a:rPr lang="en-US" dirty="0" smtClean="0"/>
-              <a:t>Build times get dangerously long </a:t>
+              <a:t>Smoke test code on deployment</a:t>
             </a:r>
           </a:p>
           <a:p>
             <a:r>
               <a:rPr lang="en-US" dirty="0" smtClean="0"/>
-              <a:t>Solutions include</a:t>
-            </a:r>
-          </a:p>
-          <a:p>
-            <a:pPr lvl="1"/>
+              <a:t>Deploy into copy of production first</a:t>
+            </a:r>
+          </a:p>
+          <a:p>
             <a:r>
               <a:rPr lang="en-US" dirty="0" smtClean="0"/>
-              <a:t>Design focused on creating loosely coupled, small components</a:t>
-            </a:r>
-          </a:p>
-          <a:p>
-            <a:pPr lvl="1"/>
+              <a:t>Employ release triggers</a:t>
+            </a:r>
+          </a:p>
+          <a:p>
             <a:r>
               <a:rPr lang="en-US" dirty="0" smtClean="0"/>
-              <a:t>Extract components from existing codebase to create loosely coupled</a:t>
-            </a:r>
-            <a:r>
-              <a:rPr lang="en-US" dirty="0"/>
-              <a:t>, small </a:t>
-            </a:r>
-            <a:r>
-              <a:rPr lang="en-US" dirty="0" smtClean="0"/>
-              <a:t>components</a:t>
-            </a:r>
-          </a:p>
-          <a:p>
-            <a:pPr lvl="1"/>
-            <a:r>
-              <a:rPr lang="en-US" dirty="0" err="1" smtClean="0"/>
-              <a:t>Microservice</a:t>
-            </a:r>
-            <a:r>
-              <a:rPr lang="en-US" dirty="0" smtClean="0"/>
-              <a:t> approach can dramatically speed up build and delivery</a:t>
-            </a:r>
-          </a:p>
-          <a:p>
-            <a:r>
-              <a:rPr lang="en-US" dirty="0" smtClean="0"/>
-              <a:t>Also optimize the design of the integration and deployment pipeline</a:t>
-            </a:r>
-          </a:p>
-          <a:p>
-            <a:pPr lvl="1"/>
-            <a:r>
-              <a:rPr lang="en-US" dirty="0" smtClean="0"/>
-              <a:t>Optimize the scheduling of tests and builds</a:t>
-            </a:r>
-          </a:p>
-          <a:p>
-            <a:pPr lvl="1"/>
-            <a:r>
-              <a:rPr lang="en-US" dirty="0" smtClean="0"/>
-              <a:t>Design a branch policy that allows feature- or </a:t>
-            </a:r>
-            <a:r>
-              <a:rPr lang="en-US" dirty="0" err="1" smtClean="0"/>
-              <a:t>microservice</a:t>
-            </a:r>
-            <a:r>
-              <a:rPr lang="en-US" dirty="0" smtClean="0"/>
-              <a:t>-specific trunk branches</a:t>
-            </a:r>
-          </a:p>
-          <a:p>
-            <a:pPr lvl="1"/>
-            <a:r>
-              <a:rPr lang="en-US" dirty="0" smtClean="0"/>
-              <a:t>Determine the optimum deployment strategy</a:t>
-            </a:r>
+              <a:t>Halt on </a:t>
+            </a:r>
+            <a:r>
+              <a:rPr lang="en-US" smtClean="0"/>
+              <a:t>red deployment</a:t>
+            </a:r>
+            <a:endParaRPr lang="en-US" dirty="0" smtClean="0"/>
+          </a:p>
+        </p:txBody>
+      </p:sp>
+      <p:sp>
+        <p:nvSpPr>
+          <p:cNvPr id="3" name="TextBox 2"/>
+          <p:cNvSpPr txBox="1"/>
+          <p:nvPr/>
+        </p:nvSpPr>
+        <p:spPr>
+          <a:xfrm>
+            <a:off x="2323475" y="719528"/>
+            <a:ext cx="5485476" cy="707886"/>
+          </a:xfrm>
+          <a:prstGeom prst="rect">
+            <a:avLst/>
+          </a:prstGeom>
+          <a:noFill/>
+        </p:spPr>
+        <p:txBody>
+          <a:bodyPr wrap="none" rtlCol="0">
+            <a:spAutoFit/>
+          </a:bodyPr>
+          <a:lstStyle/>
+          <a:p>
+            <a:r>
+              <a:rPr lang="en-US" sz="4000" dirty="0" smtClean="0"/>
+              <a:t>Continuous </a:t>
+            </a:r>
+            <a:r>
+              <a:rPr lang="en-US" sz="4000" dirty="0" err="1" smtClean="0"/>
+              <a:t>Deployement</a:t>
+            </a:r>
+            <a:endParaRPr lang="en-US" sz="4000" dirty="0"/>
           </a:p>
         </p:txBody>
       </p:sp>
     </p:spTree>
     <p:extLst>
       <p:ext uri="{BB962C8B-B14F-4D97-AF65-F5344CB8AC3E}">
-        <p14:creationId xmlns:p14="http://schemas.microsoft.com/office/powerpoint/2010/main" val="1843506489"/>
+        <p14:creationId xmlns:p14="http://schemas.microsoft.com/office/powerpoint/2010/main" val="710623951"/>
       </p:ext>
     </p:extLst>
   </p:cSld>
@@ -5925,6 +6074,183 @@
           <a:p>
             <a:r>
               <a:rPr lang="en-US" dirty="0" smtClean="0"/>
+              <a:t>Design for Continuous Deployment and Delivery</a:t>
+            </a:r>
+            <a:endParaRPr lang="en-US" dirty="0"/>
+          </a:p>
+        </p:txBody>
+      </p:sp>
+      <p:sp>
+        <p:nvSpPr>
+          <p:cNvPr id="2" name="Content Placeholder 1"/>
+          <p:cNvSpPr>
+            <a:spLocks noGrp="1"/>
+          </p:cNvSpPr>
+          <p:nvPr>
+            <p:ph idx="1"/>
+          </p:nvPr>
+        </p:nvSpPr>
+        <p:spPr>
+          <a:xfrm>
+            <a:off x="1023911" y="1828384"/>
+            <a:ext cx="8599488" cy="4257576"/>
+          </a:xfrm>
+        </p:spPr>
+        <p:txBody>
+          <a:bodyPr>
+            <a:normAutofit fontScale="85000" lnSpcReduction="20000"/>
+          </a:bodyPr>
+          <a:lstStyle/>
+          <a:p>
+            <a:r>
+              <a:rPr lang="en-US" dirty="0" smtClean="0"/>
+              <a:t>Key is to avoid large monolithic codebases</a:t>
+            </a:r>
+          </a:p>
+          <a:p>
+            <a:pPr lvl="1"/>
+            <a:r>
+              <a:rPr lang="en-US" dirty="0" smtClean="0"/>
+              <a:t>Parallelism only buys you so much</a:t>
+            </a:r>
+          </a:p>
+          <a:p>
+            <a:pPr lvl="1"/>
+            <a:r>
+              <a:rPr lang="en-US" dirty="0" smtClean="0"/>
+              <a:t>Build times get dangerously long </a:t>
+            </a:r>
+          </a:p>
+          <a:p>
+            <a:r>
+              <a:rPr lang="en-US" dirty="0" smtClean="0"/>
+              <a:t>Solutions include</a:t>
+            </a:r>
+          </a:p>
+          <a:p>
+            <a:pPr lvl="1"/>
+            <a:r>
+              <a:rPr lang="en-US" dirty="0" smtClean="0"/>
+              <a:t>Design focused on creating loosely coupled, small components</a:t>
+            </a:r>
+          </a:p>
+          <a:p>
+            <a:pPr lvl="1"/>
+            <a:r>
+              <a:rPr lang="en-US" dirty="0" smtClean="0"/>
+              <a:t>Extract components from existing codebase to create loosely coupled</a:t>
+            </a:r>
+            <a:r>
+              <a:rPr lang="en-US" dirty="0"/>
+              <a:t>, small </a:t>
+            </a:r>
+            <a:r>
+              <a:rPr lang="en-US" dirty="0" smtClean="0"/>
+              <a:t>components</a:t>
+            </a:r>
+          </a:p>
+          <a:p>
+            <a:pPr lvl="1"/>
+            <a:r>
+              <a:rPr lang="en-US" dirty="0" err="1" smtClean="0"/>
+              <a:t>Microservice</a:t>
+            </a:r>
+            <a:r>
+              <a:rPr lang="en-US" dirty="0" smtClean="0"/>
+              <a:t> approach can dramatically speed up build and delivery</a:t>
+            </a:r>
+          </a:p>
+          <a:p>
+            <a:r>
+              <a:rPr lang="en-US" dirty="0" smtClean="0"/>
+              <a:t>Also optimize the design of the integration and deployment pipeline</a:t>
+            </a:r>
+          </a:p>
+          <a:p>
+            <a:pPr lvl="1"/>
+            <a:r>
+              <a:rPr lang="en-US" dirty="0" smtClean="0"/>
+              <a:t>Optimize the scheduling of tests and builds</a:t>
+            </a:r>
+          </a:p>
+          <a:p>
+            <a:pPr lvl="1"/>
+            <a:r>
+              <a:rPr lang="en-US" dirty="0" smtClean="0"/>
+              <a:t>Design a branch policy that allows feature- or </a:t>
+            </a:r>
+            <a:r>
+              <a:rPr lang="en-US" dirty="0" err="1" smtClean="0"/>
+              <a:t>microservice</a:t>
+            </a:r>
+            <a:r>
+              <a:rPr lang="en-US" dirty="0" smtClean="0"/>
+              <a:t>-specific trunk branches</a:t>
+            </a:r>
+          </a:p>
+          <a:p>
+            <a:pPr lvl="1"/>
+            <a:r>
+              <a:rPr lang="en-US" dirty="0" smtClean="0"/>
+              <a:t>Determine the optimum deployment strategy</a:t>
+            </a:r>
+          </a:p>
+        </p:txBody>
+      </p:sp>
+    </p:spTree>
+    <p:extLst>
+      <p:ext uri="{BB962C8B-B14F-4D97-AF65-F5344CB8AC3E}">
+        <p14:creationId xmlns:p14="http://schemas.microsoft.com/office/powerpoint/2010/main" val="1843506489"/>
+      </p:ext>
+    </p:extLst>
+  </p:cSld>
+  <p:clrMapOvr>
+    <a:masterClrMapping/>
+  </p:clrMapOvr>
+  <p:timing>
+    <p:tnLst>
+      <p:par>
+        <p:cTn id="1" dur="indefinite" restart="never" nodeType="tmRoot"/>
+      </p:par>
+    </p:tnLst>
+  </p:timing>
+</p:sld>
+</file>
+
+<file path=ppt/slides/slide14.xml><?xml version="1.0" encoding="utf-8"?>
+<p:sld xmlns:a="http://schemas.openxmlformats.org/drawingml/2006/main" xmlns:r="http://schemas.openxmlformats.org/officeDocument/2006/relationships" xmlns:p="http://schemas.openxmlformats.org/presentationml/2006/main">
+  <p:cSld>
+    <p:spTree>
+      <p:nvGrpSpPr>
+        <p:cNvPr id="1" name=""/>
+        <p:cNvGrpSpPr/>
+        <p:nvPr/>
+      </p:nvGrpSpPr>
+      <p:grpSpPr>
+        <a:xfrm>
+          <a:off x="0" y="0"/>
+          <a:ext cx="0" cy="0"/>
+          <a:chOff x="0" y="0"/>
+          <a:chExt cx="0" cy="0"/>
+        </a:xfrm>
+      </p:grpSpPr>
+      <p:sp>
+        <p:nvSpPr>
+          <p:cNvPr id="3" name="Title 2"/>
+          <p:cNvSpPr>
+            <a:spLocks noGrp="1"/>
+          </p:cNvSpPr>
+          <p:nvPr>
+            <p:ph type="title"/>
+          </p:nvPr>
+        </p:nvSpPr>
+        <p:spPr/>
+        <p:txBody>
+          <a:bodyPr/>
+          <a:lstStyle/>
+          <a:p>
+            <a:r>
+              <a:rPr lang="en-US" dirty="0" smtClean="0"/>
               <a:t>Continuous Delivery Patterns</a:t>
             </a:r>
             <a:endParaRPr lang="en-US" dirty="0"/>
@@ -6040,7 +6366,7 @@
 </p:sld>
 </file>
 
-<file path=ppt/slides/slide14.xml><?xml version="1.0" encoding="utf-8"?>
+<file path=ppt/slides/slide15.xml><?xml version="1.0" encoding="utf-8"?>
 <p:sld xmlns:a="http://schemas.openxmlformats.org/drawingml/2006/main" xmlns:r="http://schemas.openxmlformats.org/officeDocument/2006/relationships" xmlns:p="http://schemas.openxmlformats.org/presentationml/2006/main">
   <p:cSld>
     <p:spTree>
@@ -6936,7 +7262,7 @@
 </p:sld>
 </file>
 
-<file path=ppt/slides/slide15.xml><?xml version="1.0" encoding="utf-8"?>
+<file path=ppt/slides/slide16.xml><?xml version="1.0" encoding="utf-8"?>
 <p:sld xmlns:a="http://schemas.openxmlformats.org/drawingml/2006/main" xmlns:r="http://schemas.openxmlformats.org/officeDocument/2006/relationships" xmlns:p="http://schemas.openxmlformats.org/presentationml/2006/main">
   <p:cSld>
     <p:spTree>
@@ -8030,7 +8356,7 @@
 </p:sld>
 </file>
 
-<file path=ppt/slides/slide16.xml><?xml version="1.0" encoding="utf-8"?>
+<file path=ppt/slides/slide17.xml><?xml version="1.0" encoding="utf-8"?>
 <p:sld xmlns:a="http://schemas.openxmlformats.org/drawingml/2006/main" xmlns:r="http://schemas.openxmlformats.org/officeDocument/2006/relationships" xmlns:p="http://schemas.openxmlformats.org/presentationml/2006/main">
   <p:cSld>
     <p:spTree>
@@ -8785,7 +9111,7 @@
 </p:sld>
 </file>
 
-<file path=ppt/slides/slide17.xml><?xml version="1.0" encoding="utf-8"?>
+<file path=ppt/slides/slide18.xml><?xml version="1.0" encoding="utf-8"?>
 <p:sld xmlns:a="http://schemas.openxmlformats.org/drawingml/2006/main" xmlns:r="http://schemas.openxmlformats.org/officeDocument/2006/relationships" xmlns:p="http://schemas.openxmlformats.org/presentationml/2006/main">
   <p:cSld>
     <p:spTree>
@@ -9537,7 +9863,7 @@
 </p:sld>
 </file>
 
-<file path=ppt/slides/slide18.xml><?xml version="1.0" encoding="utf-8"?>
+<file path=ppt/slides/slide19.xml><?xml version="1.0" encoding="utf-8"?>
 <p:sld xmlns:a="http://schemas.openxmlformats.org/drawingml/2006/main" xmlns:r="http://schemas.openxmlformats.org/officeDocument/2006/relationships" xmlns:p="http://schemas.openxmlformats.org/presentationml/2006/main">
   <p:cSld>
     <p:spTree>
@@ -10379,6 +10705,110 @@
 </p:sld>
 </file>
 
+<file path=ppt/slides/slide20.xml><?xml version="1.0" encoding="utf-8"?>
+<p:sld xmlns:a="http://schemas.openxmlformats.org/drawingml/2006/main" xmlns:r="http://schemas.openxmlformats.org/officeDocument/2006/relationships" xmlns:p="http://schemas.openxmlformats.org/presentationml/2006/main">
+  <p:cSld>
+    <p:spTree>
+      <p:nvGrpSpPr>
+        <p:cNvPr id="1" name=""/>
+        <p:cNvGrpSpPr/>
+        <p:nvPr/>
+      </p:nvGrpSpPr>
+      <p:grpSpPr>
+        <a:xfrm>
+          <a:off x="0" y="0"/>
+          <a:ext cx="0" cy="0"/>
+          <a:chOff x="0" y="0"/>
+          <a:chExt cx="0" cy="0"/>
+        </a:xfrm>
+      </p:grpSpPr>
+      <p:sp>
+        <p:nvSpPr>
+          <p:cNvPr id="2" name="Content Placeholder 1"/>
+          <p:cNvSpPr>
+            <a:spLocks noGrp="1"/>
+          </p:cNvSpPr>
+          <p:nvPr>
+            <p:ph idx="1"/>
+          </p:nvPr>
+        </p:nvSpPr>
+        <p:spPr>
+          <a:xfrm>
+            <a:off x="119921" y="2098208"/>
+            <a:ext cx="10267976" cy="2954655"/>
+          </a:xfrm>
+        </p:spPr>
+        <p:txBody>
+          <a:bodyPr>
+            <a:normAutofit/>
+          </a:bodyPr>
+          <a:lstStyle/>
+          <a:p>
+            <a:pPr marL="0" indent="0" algn="ctr">
+              <a:buNone/>
+            </a:pPr>
+            <a:r>
+              <a:rPr lang="en-US" sz="4000" b="1" dirty="0" smtClean="0"/>
+              <a:t>In your table groups discuss which strategy would be best for your group and why. Be prepared to share with the class</a:t>
+            </a:r>
+            <a:endParaRPr lang="en-US" sz="4000" b="1" dirty="0" smtClean="0"/>
+          </a:p>
+        </p:txBody>
+      </p:sp>
+      <p:sp>
+        <p:nvSpPr>
+          <p:cNvPr id="3" name="TextBox 2"/>
+          <p:cNvSpPr txBox="1"/>
+          <p:nvPr/>
+        </p:nvSpPr>
+        <p:spPr>
+          <a:xfrm>
+            <a:off x="2323475" y="719528"/>
+            <a:ext cx="7027629" cy="707886"/>
+          </a:xfrm>
+          <a:prstGeom prst="rect">
+            <a:avLst/>
+          </a:prstGeom>
+          <a:noFill/>
+        </p:spPr>
+        <p:txBody>
+          <a:bodyPr wrap="none" rtlCol="0">
+            <a:spAutoFit/>
+          </a:bodyPr>
+          <a:lstStyle/>
+          <a:p>
+            <a:r>
+              <a:rPr lang="en-US" sz="4000" dirty="0" smtClean="0"/>
+              <a:t>Continuous </a:t>
+            </a:r>
+            <a:r>
+              <a:rPr lang="en-US" sz="4000" dirty="0" smtClean="0"/>
+              <a:t>Deployment Exercise</a:t>
+            </a:r>
+            <a:endParaRPr lang="en-US" sz="4000" dirty="0"/>
+          </a:p>
+        </p:txBody>
+      </p:sp>
+    </p:spTree>
+    <p:extLst>
+      <p:ext uri="{BB962C8B-B14F-4D97-AF65-F5344CB8AC3E}">
+        <p14:creationId xmlns:p14="http://schemas.microsoft.com/office/powerpoint/2010/main" val="1546901158"/>
+      </p:ext>
+    </p:extLst>
+  </p:cSld>
+  <p:clrMapOvr>
+    <a:masterClrMapping/>
+  </p:clrMapOvr>
+  <p:timing>
+    <p:tnLst>
+      <p:par>
+        <p:cTn id="1" dur="indefinite" restart="never" nodeType="tmRoot"/>
+      </p:par>
+    </p:tnLst>
+  </p:timing>
+</p:sld>
+</file>
+
 <file path=ppt/slides/slide3.xml><?xml version="1.0" encoding="utf-8"?>
 <p:sld xmlns:a="http://schemas.openxmlformats.org/drawingml/2006/main" xmlns:r="http://schemas.openxmlformats.org/officeDocument/2006/relationships" xmlns:p="http://schemas.openxmlformats.org/presentationml/2006/main">
   <p:cSld>
@@ -10964,20 +11394,33 @@
           <a:lstStyle/>
           <a:p>
             <a:r>
-              <a:rPr lang="en-US" smtClean="0"/>
-              <a:t>Strategy One: </a:t>
-            </a:r>
-            <a:r>
               <a:rPr lang="en-US" dirty="0" smtClean="0"/>
-              <a:t>Full Deployment with commit</a:t>
+              <a:t>Strategy One: Full </a:t>
+            </a:r>
+            <a:r>
+              <a:rPr lang="en-US" dirty="0" smtClean="0"/>
+              <a:t>Build</a:t>
+            </a:r>
+            <a:r>
+              <a:rPr lang="en-US" dirty="0" smtClean="0"/>
+              <a:t> with </a:t>
+            </a:r>
+            <a:r>
+              <a:rPr lang="en-US" dirty="0" smtClean="0"/>
+              <a:t>commit</a:t>
             </a:r>
           </a:p>
           <a:p>
             <a:pPr lvl="1"/>
             <a:r>
               <a:rPr lang="en-US" dirty="0" smtClean="0"/>
-              <a:t>All dependent systems rebuild with each deployment</a:t>
-            </a:r>
+              <a:t>All dependent systems rebuild with each </a:t>
+            </a:r>
+            <a:r>
+              <a:rPr lang="en-US" dirty="0" smtClean="0"/>
+              <a:t>delivery</a:t>
+            </a:r>
+            <a:endParaRPr lang="en-US" dirty="0" smtClean="0"/>
           </a:p>
           <a:p>
             <a:pPr marL="342900" indent="-342900">
@@ -11814,20 +12257,24 @@
           <a:lstStyle/>
           <a:p>
             <a:r>
-              <a:rPr lang="en-US" smtClean="0"/>
-              <a:t>Strategy Two: </a:t>
-            </a:r>
-            <a:r>
               <a:rPr lang="en-US" dirty="0" smtClean="0"/>
-              <a:t>Full Deployment of application and partial </a:t>
-            </a:r>
-            <a:r>
-              <a:rPr lang="en-US" dirty="0"/>
-              <a:t>d</a:t>
+              <a:t>Strategy Two: Full </a:t>
             </a:r>
             <a:r>
               <a:rPr lang="en-US" dirty="0" smtClean="0"/>
-              <a:t>eployment of dependent systems</a:t>
+              <a:t>Build </a:t>
+            </a:r>
+            <a:r>
+              <a:rPr lang="en-US" dirty="0" smtClean="0"/>
+              <a:t>of application and partial </a:t>
+            </a:r>
+            <a:r>
+              <a:rPr lang="en-US" dirty="0" smtClean="0"/>
+              <a:t>build </a:t>
+            </a:r>
+            <a:r>
+              <a:rPr lang="en-US" dirty="0" smtClean="0"/>
+              <a:t>of dependent systems</a:t>
             </a:r>
           </a:p>
           <a:p>
@@ -11838,15 +12285,7 @@
             </a:r>
             <a:r>
               <a:rPr lang="en-US" dirty="0" smtClean="0"/>
-              <a:t>ependent systems rebuild on </a:t>
-            </a:r>
-            <a:r>
-              <a:rPr lang="en-US" smtClean="0"/>
-              <a:t>a team-determined, </a:t>
-            </a:r>
-            <a:r>
-              <a:rPr lang="en-US" dirty="0" smtClean="0"/>
-              <a:t>as-needed basis</a:t>
+              <a:t>ependent systems rebuild on a team-determined, as-needed basis</a:t>
             </a:r>
           </a:p>
           <a:p>
@@ -12688,12 +13127,24 @@
           <a:lstStyle/>
           <a:p>
             <a:r>
-              <a:rPr lang="en-US" smtClean="0"/>
-              <a:t>Strategy Three: Full deployment </a:t>
-            </a:r>
-            <a:r>
               <a:rPr lang="en-US" dirty="0" smtClean="0"/>
-              <a:t>of application and deployment of dependent systems at scheduled intervals</a:t>
+              <a:t>Strategy Three: Full </a:t>
+            </a:r>
+            <a:r>
+              <a:rPr lang="en-US" dirty="0" smtClean="0"/>
+              <a:t>Build </a:t>
+            </a:r>
+            <a:r>
+              <a:rPr lang="en-US" dirty="0" smtClean="0"/>
+              <a:t>of application and </a:t>
+            </a:r>
+            <a:r>
+              <a:rPr lang="en-US" dirty="0" smtClean="0"/>
+              <a:t>build </a:t>
+            </a:r>
+            <a:r>
+              <a:rPr lang="en-US" dirty="0" smtClean="0"/>
+              <a:t>of dependent systems at scheduled intervals</a:t>
             </a:r>
           </a:p>
           <a:p>
